--- a/CG_First Project/cg_1st_project.pptx
+++ b/CG_First Project/cg_1st_project.pptx
@@ -9,8 +9,13 @@
     <p:sldId id="257" r:id="rId3"/>
     <p:sldId id="258" r:id="rId4"/>
     <p:sldId id="259" r:id="rId5"/>
-    <p:sldId id="260" r:id="rId6"/>
-    <p:sldId id="261" r:id="rId7"/>
+    <p:sldId id="266" r:id="rId6"/>
+    <p:sldId id="262" r:id="rId7"/>
+    <p:sldId id="263" r:id="rId8"/>
+    <p:sldId id="264" r:id="rId9"/>
+    <p:sldId id="261" r:id="rId10"/>
+    <p:sldId id="260" r:id="rId11"/>
+    <p:sldId id="265" r:id="rId12"/>
   </p:sldIdLst>
   <p:sldSz cx="12192000" cy="6858000"/>
   <p:notesSz cx="6858000" cy="9144000"/>
@@ -5982,6 +5987,549 @@
 </p:sld>
 </file>
 
+<file path=ppt/slides/slide10.xml><?xml version="1.0" encoding="utf-8"?>
+<p:sld xmlns:a="http://schemas.openxmlformats.org/drawingml/2006/main" xmlns:r="http://schemas.openxmlformats.org/officeDocument/2006/relationships" xmlns:p="http://schemas.openxmlformats.org/presentationml/2006/main">
+  <p:cSld>
+    <p:spTree>
+      <p:nvGrpSpPr>
+        <p:cNvPr id="1" name=""/>
+        <p:cNvGrpSpPr/>
+        <p:nvPr/>
+      </p:nvGrpSpPr>
+      <p:grpSpPr>
+        <a:xfrm>
+          <a:off x="0" y="0"/>
+          <a:ext cx="0" cy="0"/>
+          <a:chOff x="0" y="0"/>
+          <a:chExt cx="0" cy="0"/>
+        </a:xfrm>
+      </p:grpSpPr>
+      <p:sp>
+        <p:nvSpPr>
+          <p:cNvPr id="5" name="Title 4">
+            <a:extLst>
+              <a:ext uri="{FF2B5EF4-FFF2-40B4-BE49-F238E27FC236}">
+                <a16:creationId xmlns:a16="http://schemas.microsoft.com/office/drawing/2014/main" id="{3CA7CE79-4B54-4881-8A93-5181A5F3A8E1}"/>
+              </a:ext>
+            </a:extLst>
+          </p:cNvPr>
+          <p:cNvSpPr>
+            <a:spLocks noGrp="1"/>
+          </p:cNvSpPr>
+          <p:nvPr>
+            <p:ph type="title"/>
+          </p:nvPr>
+        </p:nvSpPr>
+        <p:spPr/>
+        <p:txBody>
+          <a:bodyPr/>
+          <a:lstStyle/>
+          <a:p>
+            <a:r>
+              <a:rPr lang="en-US" dirty="0"/>
+              <a:t>Animation</a:t>
+            </a:r>
+            <a:endParaRPr lang="ar-SA" dirty="0"/>
+          </a:p>
+        </p:txBody>
+      </p:sp>
+      <p:sp>
+        <p:nvSpPr>
+          <p:cNvPr id="8" name="Rectangle 2">
+            <a:extLst>
+              <a:ext uri="{FF2B5EF4-FFF2-40B4-BE49-F238E27FC236}">
+                <a16:creationId xmlns:a16="http://schemas.microsoft.com/office/drawing/2014/main" id="{B1447B12-73B4-47B9-A6FB-7A2D95CDFFDF}"/>
+              </a:ext>
+            </a:extLst>
+          </p:cNvPr>
+          <p:cNvSpPr>
+            <a:spLocks noChangeArrowheads="1"/>
+          </p:cNvSpPr>
+          <p:nvPr/>
+        </p:nvSpPr>
+        <p:spPr bwMode="auto">
+          <a:xfrm>
+            <a:off x="1295402" y="1932866"/>
+            <a:ext cx="8043863" cy="4197239"/>
+          </a:xfrm>
+          <a:prstGeom prst="rect">
+            <a:avLst/>
+          </a:prstGeom>
+          <a:noFill/>
+          <a:ln>
+            <a:noFill/>
+          </a:ln>
+          <a:effectLst/>
+          <a:extLst>
+            <a:ext uri="{909E8E84-426E-40DD-AFC4-6F175D3DCCD1}">
+              <a14:hiddenFill xmlns:a14="http://schemas.microsoft.com/office/drawing/2010/main">
+                <a:solidFill>
+                  <a:schemeClr val="accent1"/>
+                </a:solidFill>
+              </a14:hiddenFill>
+            </a:ext>
+            <a:ext uri="{91240B29-F687-4F45-9708-019B960494DF}">
+              <a14:hiddenLine xmlns:a14="http://schemas.microsoft.com/office/drawing/2010/main" w="9525">
+                <a:solidFill>
+                  <a:schemeClr val="tx1"/>
+                </a:solidFill>
+                <a:miter lim="800000"/>
+                <a:headEnd/>
+                <a:tailEnd/>
+              </a14:hiddenLine>
+            </a:ext>
+            <a:ext uri="{AF507438-7753-43E0-B8FC-AC1667EBCBE1}">
+              <a14:hiddenEffects xmlns:a14="http://schemas.microsoft.com/office/drawing/2010/main">
+                <a:effectLst>
+                  <a:outerShdw dist="35921" dir="2700000" algn="ctr" rotWithShape="0">
+                    <a:schemeClr val="bg2"/>
+                  </a:outerShdw>
+                </a:effectLst>
+              </a14:hiddenEffects>
+            </a:ext>
+          </a:extLst>
+        </p:spPr>
+        <p:txBody>
+          <a:bodyPr vert="horz" wrap="square" lIns="91440" tIns="45720" rIns="91440" bIns="45720" numCol="1" anchor="ctr" anchorCtr="0" compatLnSpc="1">
+            <a:prstTxWarp prst="textNoShape">
+              <a:avLst/>
+            </a:prstTxWarp>
+            <a:spAutoFit/>
+          </a:bodyPr>
+          <a:lstStyle/>
+          <a:p>
+            <a:pPr marL="0" marR="0" lvl="0" indent="0" algn="l" defTabSz="914400" rtl="0" eaLnBrk="0" fontAlgn="base" latinLnBrk="0" hangingPunct="0">
+              <a:lnSpc>
+                <a:spcPct val="150000"/>
+              </a:lnSpc>
+              <a:spcBef>
+                <a:spcPct val="0"/>
+              </a:spcBef>
+              <a:spcAft>
+                <a:spcPct val="0"/>
+              </a:spcAft>
+              <a:buClrTx/>
+              <a:buSzTx/>
+              <a:buFontTx/>
+              <a:buNone/>
+              <a:tabLst/>
+            </a:pPr>
+            <a:r>
+              <a:rPr kumimoji="0" lang="en-US" altLang="ar-SA" sz="1800" b="0" i="0" u="none" strike="noStrike" cap="none" normalizeH="0" baseline="0" dirty="0">
+                <a:ln>
+                  <a:noFill/>
+                </a:ln>
+                <a:solidFill>
+                  <a:schemeClr val="tx1"/>
+                </a:solidFill>
+                <a:effectLst/>
+                <a:latin typeface="Arial" panose="020B0604020202020204" pitchFamily="34" charset="0"/>
+              </a:rPr>
+              <a:t> </a:t>
+            </a:r>
+            <a:endParaRPr kumimoji="0" lang="ar-SA" altLang="ar-SA" sz="1800" b="0" i="0" u="none" strike="noStrike" cap="none" normalizeH="0" baseline="0" dirty="0">
+              <a:ln>
+                <a:noFill/>
+              </a:ln>
+              <a:solidFill>
+                <a:schemeClr val="tx1"/>
+              </a:solidFill>
+              <a:effectLst/>
+              <a:latin typeface="Arial" panose="020B0604020202020204" pitchFamily="34" charset="0"/>
+            </a:endParaRPr>
+          </a:p>
+          <a:p>
+            <a:pPr marL="0" marR="0" lvl="0" indent="0" algn="l" defTabSz="914400" rtl="0" eaLnBrk="0" fontAlgn="base" latinLnBrk="0" hangingPunct="0">
+              <a:lnSpc>
+                <a:spcPct val="150000"/>
+              </a:lnSpc>
+              <a:spcBef>
+                <a:spcPct val="0"/>
+              </a:spcBef>
+              <a:spcAft>
+                <a:spcPct val="0"/>
+              </a:spcAft>
+              <a:buClrTx/>
+              <a:buSzTx/>
+              <a:buFontTx/>
+              <a:buChar char="•"/>
+              <a:tabLst/>
+            </a:pPr>
+            <a:r>
+              <a:rPr kumimoji="0" lang="ar-SA" altLang="ar-SA" sz="1800" b="0" i="0" u="none" strike="noStrike" cap="none" normalizeH="0" baseline="0" dirty="0">
+                <a:ln>
+                  <a:noFill/>
+                </a:ln>
+                <a:solidFill>
+                  <a:schemeClr val="tx1"/>
+                </a:solidFill>
+                <a:effectLst/>
+                <a:latin typeface="Arial" panose="020B0604020202020204" pitchFamily="34" charset="0"/>
+              </a:rPr>
+              <a:t>glfwGetTime()</a:t>
+            </a:r>
+          </a:p>
+          <a:p>
+            <a:pPr marL="0" marR="0" lvl="0" indent="0" algn="l" defTabSz="914400" rtl="0" eaLnBrk="0" fontAlgn="base" latinLnBrk="0" hangingPunct="0">
+              <a:lnSpc>
+                <a:spcPct val="150000"/>
+              </a:lnSpc>
+              <a:spcBef>
+                <a:spcPct val="0"/>
+              </a:spcBef>
+              <a:spcAft>
+                <a:spcPct val="0"/>
+              </a:spcAft>
+              <a:buClrTx/>
+              <a:buSzTx/>
+              <a:buFontTx/>
+              <a:buChar char="•"/>
+              <a:tabLst/>
+            </a:pPr>
+            <a:r>
+              <a:rPr kumimoji="0" lang="ar-SA" altLang="ar-SA" sz="1800" b="0" i="0" u="none" strike="noStrike" cap="none" normalizeH="0" baseline="0" dirty="0">
+                <a:ln>
+                  <a:noFill/>
+                </a:ln>
+                <a:solidFill>
+                  <a:schemeClr val="tx1"/>
+                </a:solidFill>
+                <a:effectLst/>
+                <a:latin typeface="Arial" panose="020B0604020202020204" pitchFamily="34" charset="0"/>
+              </a:rPr>
+              <a:t>fmod() for looping motion</a:t>
+            </a:r>
+          </a:p>
+          <a:p>
+            <a:pPr marL="0" marR="0" lvl="0" indent="0" algn="l" defTabSz="914400" rtl="0" eaLnBrk="0" fontAlgn="base" latinLnBrk="0" hangingPunct="0">
+              <a:lnSpc>
+                <a:spcPct val="150000"/>
+              </a:lnSpc>
+              <a:spcBef>
+                <a:spcPct val="0"/>
+              </a:spcBef>
+              <a:spcAft>
+                <a:spcPct val="0"/>
+              </a:spcAft>
+              <a:buClrTx/>
+              <a:buSzTx/>
+              <a:buFontTx/>
+              <a:buChar char="•"/>
+              <a:tabLst/>
+            </a:pPr>
+            <a:r>
+              <a:rPr kumimoji="0" lang="ar-SA" altLang="ar-SA" sz="1800" b="0" i="0" u="none" strike="noStrike" cap="none" normalizeH="0" baseline="0" dirty="0">
+                <a:ln>
+                  <a:noFill/>
+                </a:ln>
+                <a:solidFill>
+                  <a:schemeClr val="tx1"/>
+                </a:solidFill>
+                <a:effectLst/>
+                <a:latin typeface="Arial" panose="020B0604020202020204" pitchFamily="34" charset="0"/>
+              </a:rPr>
+              <a:t>sin() for smooth color transitions</a:t>
+            </a:r>
+          </a:p>
+          <a:p>
+            <a:pPr marL="0" marR="0" lvl="0" indent="0" algn="l" defTabSz="914400" rtl="0" eaLnBrk="0" fontAlgn="base" latinLnBrk="0" hangingPunct="0">
+              <a:lnSpc>
+                <a:spcPct val="150000"/>
+              </a:lnSpc>
+              <a:spcBef>
+                <a:spcPct val="0"/>
+              </a:spcBef>
+              <a:spcAft>
+                <a:spcPct val="0"/>
+              </a:spcAft>
+              <a:buClrTx/>
+              <a:buSzTx/>
+              <a:buFontTx/>
+              <a:buChar char="•"/>
+              <a:tabLst/>
+            </a:pPr>
+            <a:r>
+              <a:rPr kumimoji="0" lang="ar-SA" altLang="ar-SA" sz="1800" b="0" i="0" u="none" strike="noStrike" cap="none" normalizeH="0" baseline="0" dirty="0">
+                <a:ln>
+                  <a:noFill/>
+                </a:ln>
+                <a:solidFill>
+                  <a:schemeClr val="tx1"/>
+                </a:solidFill>
+                <a:effectLst/>
+                <a:latin typeface="Arial" panose="020B0604020202020204" pitchFamily="34" charset="0"/>
+              </a:rPr>
+              <a:t>Offset uniform for movement</a:t>
+            </a:r>
+          </a:p>
+          <a:p>
+            <a:pPr marL="0" marR="0" lvl="0" indent="0" algn="l" defTabSz="914400" rtl="0" eaLnBrk="0" fontAlgn="base" latinLnBrk="0" hangingPunct="0">
+              <a:lnSpc>
+                <a:spcPct val="150000"/>
+              </a:lnSpc>
+              <a:spcBef>
+                <a:spcPct val="0"/>
+              </a:spcBef>
+              <a:spcAft>
+                <a:spcPct val="0"/>
+              </a:spcAft>
+              <a:buClrTx/>
+              <a:buSzTx/>
+              <a:buFontTx/>
+              <a:buChar char="•"/>
+              <a:tabLst/>
+            </a:pPr>
+            <a:endParaRPr kumimoji="0" lang="ar-SA" altLang="ar-SA" sz="1800" b="0" i="0" u="none" strike="noStrike" cap="none" normalizeH="0" baseline="0" dirty="0">
+              <a:ln>
+                <a:noFill/>
+              </a:ln>
+              <a:solidFill>
+                <a:schemeClr val="tx1"/>
+              </a:solidFill>
+              <a:effectLst/>
+              <a:latin typeface="Arial" panose="020B0604020202020204" pitchFamily="34" charset="0"/>
+            </a:endParaRPr>
+          </a:p>
+          <a:p>
+            <a:pPr marL="0" marR="0" lvl="0" indent="0" algn="l" defTabSz="914400" rtl="0" eaLnBrk="0" fontAlgn="base" latinLnBrk="0" hangingPunct="0">
+              <a:lnSpc>
+                <a:spcPct val="150000"/>
+              </a:lnSpc>
+              <a:spcBef>
+                <a:spcPct val="0"/>
+              </a:spcBef>
+              <a:spcAft>
+                <a:spcPct val="0"/>
+              </a:spcAft>
+              <a:buClrTx/>
+              <a:buSzTx/>
+              <a:buFontTx/>
+              <a:buNone/>
+              <a:tabLst/>
+            </a:pPr>
+            <a:r>
+              <a:rPr kumimoji="0" lang="ar-SA" altLang="ar-SA" sz="1800" b="0" i="0" u="none" strike="noStrike" cap="none" normalizeH="0" baseline="0" dirty="0">
+                <a:ln>
+                  <a:noFill/>
+                </a:ln>
+                <a:solidFill>
+                  <a:schemeClr val="tx1"/>
+                </a:solidFill>
+                <a:effectLst/>
+                <a:latin typeface="Arial" panose="020B0604020202020204" pitchFamily="34" charset="0"/>
+              </a:rPr>
+              <a:t>I used glfwGetTime() to create time-based animation.</a:t>
+            </a:r>
+            <a:br>
+              <a:rPr kumimoji="0" lang="ar-SA" altLang="ar-SA" sz="1800" b="0" i="0" u="none" strike="noStrike" cap="none" normalizeH="0" baseline="0" dirty="0">
+                <a:ln>
+                  <a:noFill/>
+                </a:ln>
+                <a:solidFill>
+                  <a:schemeClr val="tx1"/>
+                </a:solidFill>
+                <a:effectLst/>
+                <a:latin typeface="Arial" panose="020B0604020202020204" pitchFamily="34" charset="0"/>
+              </a:rPr>
+            </a:br>
+            <a:r>
+              <a:rPr kumimoji="0" lang="ar-SA" altLang="ar-SA" sz="1800" b="0" i="0" u="none" strike="noStrike" cap="none" normalizeH="0" baseline="0" dirty="0">
+                <a:ln>
+                  <a:noFill/>
+                </a:ln>
+                <a:solidFill>
+                  <a:schemeClr val="tx1"/>
+                </a:solidFill>
+                <a:effectLst/>
+                <a:latin typeface="Arial" panose="020B0604020202020204" pitchFamily="34" charset="0"/>
+              </a:rPr>
+              <a:t>The car movement is calculated using fmod to create continuous looping.</a:t>
+            </a:r>
+            <a:br>
+              <a:rPr kumimoji="0" lang="ar-SA" altLang="ar-SA" sz="1800" b="0" i="0" u="none" strike="noStrike" cap="none" normalizeH="0" baseline="0" dirty="0">
+                <a:ln>
+                  <a:noFill/>
+                </a:ln>
+                <a:solidFill>
+                  <a:schemeClr val="tx1"/>
+                </a:solidFill>
+                <a:effectLst/>
+                <a:latin typeface="Arial" panose="020B0604020202020204" pitchFamily="34" charset="0"/>
+              </a:rPr>
+            </a:br>
+            <a:r>
+              <a:rPr kumimoji="0" lang="ar-SA" altLang="ar-SA" sz="1800" b="0" i="0" u="none" strike="noStrike" cap="none" normalizeH="0" baseline="0" dirty="0">
+                <a:ln>
+                  <a:noFill/>
+                </a:ln>
+                <a:solidFill>
+                  <a:schemeClr val="tx1"/>
+                </a:solidFill>
+                <a:effectLst/>
+                <a:latin typeface="Arial" panose="020B0604020202020204" pitchFamily="34" charset="0"/>
+              </a:rPr>
+              <a:t>The sky color transitions smoothly using the sine function.</a:t>
+            </a:r>
+            <a:br>
+              <a:rPr kumimoji="0" lang="ar-SA" altLang="ar-SA" sz="1800" b="0" i="0" u="none" strike="noStrike" cap="none" normalizeH="0" baseline="0" dirty="0">
+                <a:ln>
+                  <a:noFill/>
+                </a:ln>
+                <a:solidFill>
+                  <a:schemeClr val="tx1"/>
+                </a:solidFill>
+                <a:effectLst/>
+                <a:latin typeface="Arial" panose="020B0604020202020204" pitchFamily="34" charset="0"/>
+              </a:rPr>
+            </a:br>
+            <a:r>
+              <a:rPr kumimoji="0" lang="ar-SA" altLang="ar-SA" sz="1800" b="0" i="0" u="none" strike="noStrike" cap="none" normalizeH="0" baseline="0" dirty="0">
+                <a:ln>
+                  <a:noFill/>
+                </a:ln>
+                <a:solidFill>
+                  <a:schemeClr val="tx1"/>
+                </a:solidFill>
+                <a:effectLst/>
+                <a:latin typeface="Arial" panose="020B0604020202020204" pitchFamily="34" charset="0"/>
+              </a:rPr>
+              <a:t>Object movement is applied using a uniform offset variable.</a:t>
+            </a:r>
+          </a:p>
+        </p:txBody>
+      </p:sp>
+    </p:spTree>
+    <p:extLst>
+      <p:ext uri="{BB962C8B-B14F-4D97-AF65-F5344CB8AC3E}">
+        <p14:creationId xmlns:p14="http://schemas.microsoft.com/office/powerpoint/2010/main" val="3870218743"/>
+      </p:ext>
+    </p:extLst>
+  </p:cSld>
+  <p:clrMapOvr>
+    <a:masterClrMapping/>
+  </p:clrMapOvr>
+</p:sld>
+</file>
+
+<file path=ppt/slides/slide11.xml><?xml version="1.0" encoding="utf-8"?>
+<p:sld xmlns:a="http://schemas.openxmlformats.org/drawingml/2006/main" xmlns:r="http://schemas.openxmlformats.org/officeDocument/2006/relationships" xmlns:p="http://schemas.openxmlformats.org/presentationml/2006/main">
+  <p:cSld>
+    <p:spTree>
+      <p:nvGrpSpPr>
+        <p:cNvPr id="1" name=""/>
+        <p:cNvGrpSpPr/>
+        <p:nvPr/>
+      </p:nvGrpSpPr>
+      <p:grpSpPr>
+        <a:xfrm>
+          <a:off x="0" y="0"/>
+          <a:ext cx="0" cy="0"/>
+          <a:chOff x="0" y="0"/>
+          <a:chExt cx="0" cy="0"/>
+        </a:xfrm>
+      </p:grpSpPr>
+      <p:sp>
+        <p:nvSpPr>
+          <p:cNvPr id="2" name="Title 1">
+            <a:extLst>
+              <a:ext uri="{FF2B5EF4-FFF2-40B4-BE49-F238E27FC236}">
+                <a16:creationId xmlns:a16="http://schemas.microsoft.com/office/drawing/2014/main" id="{AA7942AF-DF30-4DEF-8178-C771947BB2A0}"/>
+              </a:ext>
+            </a:extLst>
+          </p:cNvPr>
+          <p:cNvSpPr>
+            <a:spLocks noGrp="1"/>
+          </p:cNvSpPr>
+          <p:nvPr>
+            <p:ph type="title"/>
+          </p:nvPr>
+        </p:nvSpPr>
+        <p:spPr/>
+        <p:txBody>
+          <a:bodyPr/>
+          <a:lstStyle/>
+          <a:p>
+            <a:r>
+              <a:rPr lang="en-US" dirty="0"/>
+              <a:t>Creating Circles (Sun, Moon, Wheels)</a:t>
+            </a:r>
+            <a:endParaRPr lang="ar-SA" dirty="0"/>
+          </a:p>
+        </p:txBody>
+      </p:sp>
+      <p:sp>
+        <p:nvSpPr>
+          <p:cNvPr id="3" name="Content Placeholder 2">
+            <a:extLst>
+              <a:ext uri="{FF2B5EF4-FFF2-40B4-BE49-F238E27FC236}">
+                <a16:creationId xmlns:a16="http://schemas.microsoft.com/office/drawing/2014/main" id="{4DCABD74-94FB-457D-A6FA-3504E8782F8E}"/>
+              </a:ext>
+            </a:extLst>
+          </p:cNvPr>
+          <p:cNvSpPr>
+            <a:spLocks noGrp="1"/>
+          </p:cNvSpPr>
+          <p:nvPr>
+            <p:ph idx="1"/>
+          </p:nvPr>
+        </p:nvSpPr>
+        <p:spPr/>
+        <p:txBody>
+          <a:bodyPr/>
+          <a:lstStyle/>
+          <a:p>
+            <a:pPr algn="l" rtl="0"/>
+            <a:endParaRPr lang="en-US" dirty="0"/>
+          </a:p>
+          <a:p>
+            <a:pPr algn="l" rtl="0">
+              <a:buFont typeface="Arial" panose="020B0604020202020204" pitchFamily="34" charset="0"/>
+              <a:buChar char="•"/>
+            </a:pPr>
+            <a:r>
+              <a:rPr lang="en-US" dirty="0"/>
+              <a:t>Generated circular vertices mathematically</a:t>
+            </a:r>
+          </a:p>
+          <a:p>
+            <a:pPr algn="l" rtl="0">
+              <a:buFont typeface="Arial" panose="020B0604020202020204" pitchFamily="34" charset="0"/>
+              <a:buChar char="•"/>
+            </a:pPr>
+            <a:r>
+              <a:rPr lang="en-US" dirty="0"/>
+              <a:t>Used cos() and sin()</a:t>
+            </a:r>
+          </a:p>
+          <a:p>
+            <a:pPr algn="l" rtl="0">
+              <a:buFont typeface="Arial" panose="020B0604020202020204" pitchFamily="34" charset="0"/>
+              <a:buChar char="•"/>
+            </a:pPr>
+            <a:r>
+              <a:rPr lang="en-US" dirty="0"/>
+              <a:t>Rendered using GL_TRIANGLE_FAN</a:t>
+            </a:r>
+          </a:p>
+          <a:p>
+            <a:pPr algn="l" rtl="0"/>
+            <a:endParaRPr lang="ar-SA" dirty="0"/>
+          </a:p>
+        </p:txBody>
+      </p:sp>
+    </p:spTree>
+    <p:extLst>
+      <p:ext uri="{BB962C8B-B14F-4D97-AF65-F5344CB8AC3E}">
+        <p14:creationId xmlns:p14="http://schemas.microsoft.com/office/powerpoint/2010/main" val="3001488554"/>
+      </p:ext>
+    </p:extLst>
+  </p:cSld>
+  <p:clrMapOvr>
+    <a:masterClrMapping/>
+  </p:clrMapOvr>
+</p:sld>
+</file>
+
 <file path=ppt/slides/slide2.xml><?xml version="1.0" encoding="utf-8"?>
 <p:sld xmlns:a="http://schemas.openxmlformats.org/drawingml/2006/main" xmlns:r="http://schemas.openxmlformats.org/officeDocument/2006/relationships" xmlns:p="http://schemas.openxmlformats.org/presentationml/2006/main">
   <p:cSld>
@@ -6771,10 +7319,10 @@
       </p:grpSpPr>
       <p:sp>
         <p:nvSpPr>
-          <p:cNvPr id="5" name="Title 4">
+          <p:cNvPr id="2" name="Title 1">
             <a:extLst>
               <a:ext uri="{FF2B5EF4-FFF2-40B4-BE49-F238E27FC236}">
-                <a16:creationId xmlns:a16="http://schemas.microsoft.com/office/drawing/2014/main" id="{3CA7CE79-4B54-4881-8A93-5181A5F3A8E1}"/>
+                <a16:creationId xmlns:a16="http://schemas.microsoft.com/office/drawing/2014/main" id="{A9BD6CA3-D12B-42F3-9B88-801C4AF86FFD}"/>
               </a:ext>
             </a:extLst>
           </p:cNvPr>
@@ -6792,381 +7340,16 @@
           <a:p>
             <a:r>
               <a:rPr lang="en-US" dirty="0"/>
-              <a:t>Animation</a:t>
+              <a:t>The Steps for Building this Program</a:t>
             </a:r>
             <a:endParaRPr lang="ar-SA" dirty="0"/>
-          </a:p>
-        </p:txBody>
-      </p:sp>
-      <p:sp>
-        <p:nvSpPr>
-          <p:cNvPr id="8" name="Rectangle 2">
-            <a:extLst>
-              <a:ext uri="{FF2B5EF4-FFF2-40B4-BE49-F238E27FC236}">
-                <a16:creationId xmlns:a16="http://schemas.microsoft.com/office/drawing/2014/main" id="{B1447B12-73B4-47B9-A6FB-7A2D95CDFFDF}"/>
-              </a:ext>
-            </a:extLst>
-          </p:cNvPr>
-          <p:cNvSpPr>
-            <a:spLocks noChangeArrowheads="1"/>
-          </p:cNvSpPr>
-          <p:nvPr/>
-        </p:nvSpPr>
-        <p:spPr bwMode="auto">
-          <a:xfrm>
-            <a:off x="1295402" y="1932866"/>
-            <a:ext cx="8043863" cy="4197239"/>
-          </a:xfrm>
-          <a:prstGeom prst="rect">
-            <a:avLst/>
-          </a:prstGeom>
-          <a:noFill/>
-          <a:ln>
-            <a:noFill/>
-          </a:ln>
-          <a:effectLst/>
-          <a:extLst>
-            <a:ext uri="{909E8E84-426E-40DD-AFC4-6F175D3DCCD1}">
-              <a14:hiddenFill xmlns:a14="http://schemas.microsoft.com/office/drawing/2010/main">
-                <a:solidFill>
-                  <a:schemeClr val="accent1"/>
-                </a:solidFill>
-              </a14:hiddenFill>
-            </a:ext>
-            <a:ext uri="{91240B29-F687-4F45-9708-019B960494DF}">
-              <a14:hiddenLine xmlns:a14="http://schemas.microsoft.com/office/drawing/2010/main" w="9525">
-                <a:solidFill>
-                  <a:schemeClr val="tx1"/>
-                </a:solidFill>
-                <a:miter lim="800000"/>
-                <a:headEnd/>
-                <a:tailEnd/>
-              </a14:hiddenLine>
-            </a:ext>
-            <a:ext uri="{AF507438-7753-43E0-B8FC-AC1667EBCBE1}">
-              <a14:hiddenEffects xmlns:a14="http://schemas.microsoft.com/office/drawing/2010/main">
-                <a:effectLst>
-                  <a:outerShdw dist="35921" dir="2700000" algn="ctr" rotWithShape="0">
-                    <a:schemeClr val="bg2"/>
-                  </a:outerShdw>
-                </a:effectLst>
-              </a14:hiddenEffects>
-            </a:ext>
-          </a:extLst>
-        </p:spPr>
-        <p:txBody>
-          <a:bodyPr vert="horz" wrap="square" lIns="91440" tIns="45720" rIns="91440" bIns="45720" numCol="1" anchor="ctr" anchorCtr="0" compatLnSpc="1">
-            <a:prstTxWarp prst="textNoShape">
-              <a:avLst/>
-            </a:prstTxWarp>
-            <a:spAutoFit/>
-          </a:bodyPr>
-          <a:lstStyle/>
-          <a:p>
-            <a:pPr marL="0" marR="0" lvl="0" indent="0" algn="l" defTabSz="914400" rtl="0" eaLnBrk="0" fontAlgn="base" latinLnBrk="0" hangingPunct="0">
-              <a:lnSpc>
-                <a:spcPct val="150000"/>
-              </a:lnSpc>
-              <a:spcBef>
-                <a:spcPct val="0"/>
-              </a:spcBef>
-              <a:spcAft>
-                <a:spcPct val="0"/>
-              </a:spcAft>
-              <a:buClrTx/>
-              <a:buSzTx/>
-              <a:buFontTx/>
-              <a:buNone/>
-              <a:tabLst/>
-            </a:pPr>
-            <a:r>
-              <a:rPr kumimoji="0" lang="en-US" altLang="ar-SA" sz="1800" b="0" i="0" u="none" strike="noStrike" cap="none" normalizeH="0" baseline="0" dirty="0">
-                <a:ln>
-                  <a:noFill/>
-                </a:ln>
-                <a:solidFill>
-                  <a:schemeClr val="tx1"/>
-                </a:solidFill>
-                <a:effectLst/>
-                <a:latin typeface="Arial" panose="020B0604020202020204" pitchFamily="34" charset="0"/>
-              </a:rPr>
-              <a:t> </a:t>
-            </a:r>
-            <a:endParaRPr kumimoji="0" lang="ar-SA" altLang="ar-SA" sz="1800" b="0" i="0" u="none" strike="noStrike" cap="none" normalizeH="0" baseline="0" dirty="0">
-              <a:ln>
-                <a:noFill/>
-              </a:ln>
-              <a:solidFill>
-                <a:schemeClr val="tx1"/>
-              </a:solidFill>
-              <a:effectLst/>
-              <a:latin typeface="Arial" panose="020B0604020202020204" pitchFamily="34" charset="0"/>
-            </a:endParaRPr>
-          </a:p>
-          <a:p>
-            <a:pPr marL="0" marR="0" lvl="0" indent="0" algn="l" defTabSz="914400" rtl="0" eaLnBrk="0" fontAlgn="base" latinLnBrk="0" hangingPunct="0">
-              <a:lnSpc>
-                <a:spcPct val="150000"/>
-              </a:lnSpc>
-              <a:spcBef>
-                <a:spcPct val="0"/>
-              </a:spcBef>
-              <a:spcAft>
-                <a:spcPct val="0"/>
-              </a:spcAft>
-              <a:buClrTx/>
-              <a:buSzTx/>
-              <a:buFontTx/>
-              <a:buChar char="•"/>
-              <a:tabLst/>
-            </a:pPr>
-            <a:r>
-              <a:rPr kumimoji="0" lang="ar-SA" altLang="ar-SA" sz="1800" b="0" i="0" u="none" strike="noStrike" cap="none" normalizeH="0" baseline="0" dirty="0">
-                <a:ln>
-                  <a:noFill/>
-                </a:ln>
-                <a:solidFill>
-                  <a:schemeClr val="tx1"/>
-                </a:solidFill>
-                <a:effectLst/>
-                <a:latin typeface="Arial" panose="020B0604020202020204" pitchFamily="34" charset="0"/>
-              </a:rPr>
-              <a:t>glfwGetTime()</a:t>
-            </a:r>
-          </a:p>
-          <a:p>
-            <a:pPr marL="0" marR="0" lvl="0" indent="0" algn="l" defTabSz="914400" rtl="0" eaLnBrk="0" fontAlgn="base" latinLnBrk="0" hangingPunct="0">
-              <a:lnSpc>
-                <a:spcPct val="150000"/>
-              </a:lnSpc>
-              <a:spcBef>
-                <a:spcPct val="0"/>
-              </a:spcBef>
-              <a:spcAft>
-                <a:spcPct val="0"/>
-              </a:spcAft>
-              <a:buClrTx/>
-              <a:buSzTx/>
-              <a:buFontTx/>
-              <a:buChar char="•"/>
-              <a:tabLst/>
-            </a:pPr>
-            <a:r>
-              <a:rPr kumimoji="0" lang="ar-SA" altLang="ar-SA" sz="1800" b="0" i="0" u="none" strike="noStrike" cap="none" normalizeH="0" baseline="0" dirty="0">
-                <a:ln>
-                  <a:noFill/>
-                </a:ln>
-                <a:solidFill>
-                  <a:schemeClr val="tx1"/>
-                </a:solidFill>
-                <a:effectLst/>
-                <a:latin typeface="Arial" panose="020B0604020202020204" pitchFamily="34" charset="0"/>
-              </a:rPr>
-              <a:t>fmod() for looping motion</a:t>
-            </a:r>
-          </a:p>
-          <a:p>
-            <a:pPr marL="0" marR="0" lvl="0" indent="0" algn="l" defTabSz="914400" rtl="0" eaLnBrk="0" fontAlgn="base" latinLnBrk="0" hangingPunct="0">
-              <a:lnSpc>
-                <a:spcPct val="150000"/>
-              </a:lnSpc>
-              <a:spcBef>
-                <a:spcPct val="0"/>
-              </a:spcBef>
-              <a:spcAft>
-                <a:spcPct val="0"/>
-              </a:spcAft>
-              <a:buClrTx/>
-              <a:buSzTx/>
-              <a:buFontTx/>
-              <a:buChar char="•"/>
-              <a:tabLst/>
-            </a:pPr>
-            <a:r>
-              <a:rPr kumimoji="0" lang="ar-SA" altLang="ar-SA" sz="1800" b="0" i="0" u="none" strike="noStrike" cap="none" normalizeH="0" baseline="0" dirty="0">
-                <a:ln>
-                  <a:noFill/>
-                </a:ln>
-                <a:solidFill>
-                  <a:schemeClr val="tx1"/>
-                </a:solidFill>
-                <a:effectLst/>
-                <a:latin typeface="Arial" panose="020B0604020202020204" pitchFamily="34" charset="0"/>
-              </a:rPr>
-              <a:t>sin() for smooth color transitions</a:t>
-            </a:r>
-          </a:p>
-          <a:p>
-            <a:pPr marL="0" marR="0" lvl="0" indent="0" algn="l" defTabSz="914400" rtl="0" eaLnBrk="0" fontAlgn="base" latinLnBrk="0" hangingPunct="0">
-              <a:lnSpc>
-                <a:spcPct val="150000"/>
-              </a:lnSpc>
-              <a:spcBef>
-                <a:spcPct val="0"/>
-              </a:spcBef>
-              <a:spcAft>
-                <a:spcPct val="0"/>
-              </a:spcAft>
-              <a:buClrTx/>
-              <a:buSzTx/>
-              <a:buFontTx/>
-              <a:buChar char="•"/>
-              <a:tabLst/>
-            </a:pPr>
-            <a:r>
-              <a:rPr kumimoji="0" lang="ar-SA" altLang="ar-SA" sz="1800" b="0" i="0" u="none" strike="noStrike" cap="none" normalizeH="0" baseline="0" dirty="0">
-                <a:ln>
-                  <a:noFill/>
-                </a:ln>
-                <a:solidFill>
-                  <a:schemeClr val="tx1"/>
-                </a:solidFill>
-                <a:effectLst/>
-                <a:latin typeface="Arial" panose="020B0604020202020204" pitchFamily="34" charset="0"/>
-              </a:rPr>
-              <a:t>Offset uniform for movement</a:t>
-            </a:r>
-          </a:p>
-          <a:p>
-            <a:pPr marL="0" marR="0" lvl="0" indent="0" algn="l" defTabSz="914400" rtl="0" eaLnBrk="0" fontAlgn="base" latinLnBrk="0" hangingPunct="0">
-              <a:lnSpc>
-                <a:spcPct val="150000"/>
-              </a:lnSpc>
-              <a:spcBef>
-                <a:spcPct val="0"/>
-              </a:spcBef>
-              <a:spcAft>
-                <a:spcPct val="0"/>
-              </a:spcAft>
-              <a:buClrTx/>
-              <a:buSzTx/>
-              <a:buFontTx/>
-              <a:buChar char="•"/>
-              <a:tabLst/>
-            </a:pPr>
-            <a:endParaRPr kumimoji="0" lang="ar-SA" altLang="ar-SA" sz="1800" b="0" i="0" u="none" strike="noStrike" cap="none" normalizeH="0" baseline="0" dirty="0">
-              <a:ln>
-                <a:noFill/>
-              </a:ln>
-              <a:solidFill>
-                <a:schemeClr val="tx1"/>
-              </a:solidFill>
-              <a:effectLst/>
-              <a:latin typeface="Arial" panose="020B0604020202020204" pitchFamily="34" charset="0"/>
-            </a:endParaRPr>
-          </a:p>
-          <a:p>
-            <a:pPr marL="0" marR="0" lvl="0" indent="0" algn="l" defTabSz="914400" rtl="0" eaLnBrk="0" fontAlgn="base" latinLnBrk="0" hangingPunct="0">
-              <a:lnSpc>
-                <a:spcPct val="150000"/>
-              </a:lnSpc>
-              <a:spcBef>
-                <a:spcPct val="0"/>
-              </a:spcBef>
-              <a:spcAft>
-                <a:spcPct val="0"/>
-              </a:spcAft>
-              <a:buClrTx/>
-              <a:buSzTx/>
-              <a:buFontTx/>
-              <a:buNone/>
-              <a:tabLst/>
-            </a:pPr>
-            <a:r>
-              <a:rPr kumimoji="0" lang="ar-SA" altLang="ar-SA" sz="1800" b="0" i="0" u="none" strike="noStrike" cap="none" normalizeH="0" baseline="0" dirty="0">
-                <a:ln>
-                  <a:noFill/>
-                </a:ln>
-                <a:solidFill>
-                  <a:schemeClr val="tx1"/>
-                </a:solidFill>
-                <a:effectLst/>
-                <a:latin typeface="Arial" panose="020B0604020202020204" pitchFamily="34" charset="0"/>
-              </a:rPr>
-              <a:t>I used glfwGetTime() to create time-based animation.</a:t>
-            </a:r>
-            <a:br>
-              <a:rPr kumimoji="0" lang="ar-SA" altLang="ar-SA" sz="1800" b="0" i="0" u="none" strike="noStrike" cap="none" normalizeH="0" baseline="0" dirty="0">
-                <a:ln>
-                  <a:noFill/>
-                </a:ln>
-                <a:solidFill>
-                  <a:schemeClr val="tx1"/>
-                </a:solidFill>
-                <a:effectLst/>
-                <a:latin typeface="Arial" panose="020B0604020202020204" pitchFamily="34" charset="0"/>
-              </a:rPr>
-            </a:br>
-            <a:r>
-              <a:rPr kumimoji="0" lang="ar-SA" altLang="ar-SA" sz="1800" b="0" i="0" u="none" strike="noStrike" cap="none" normalizeH="0" baseline="0" dirty="0">
-                <a:ln>
-                  <a:noFill/>
-                </a:ln>
-                <a:solidFill>
-                  <a:schemeClr val="tx1"/>
-                </a:solidFill>
-                <a:effectLst/>
-                <a:latin typeface="Arial" panose="020B0604020202020204" pitchFamily="34" charset="0"/>
-              </a:rPr>
-              <a:t>The car movement is calculated using fmod to create continuous looping.</a:t>
-            </a:r>
-            <a:br>
-              <a:rPr kumimoji="0" lang="ar-SA" altLang="ar-SA" sz="1800" b="0" i="0" u="none" strike="noStrike" cap="none" normalizeH="0" baseline="0" dirty="0">
-                <a:ln>
-                  <a:noFill/>
-                </a:ln>
-                <a:solidFill>
-                  <a:schemeClr val="tx1"/>
-                </a:solidFill>
-                <a:effectLst/>
-                <a:latin typeface="Arial" panose="020B0604020202020204" pitchFamily="34" charset="0"/>
-              </a:rPr>
-            </a:br>
-            <a:r>
-              <a:rPr kumimoji="0" lang="ar-SA" altLang="ar-SA" sz="1800" b="0" i="0" u="none" strike="noStrike" cap="none" normalizeH="0" baseline="0" dirty="0">
-                <a:ln>
-                  <a:noFill/>
-                </a:ln>
-                <a:solidFill>
-                  <a:schemeClr val="tx1"/>
-                </a:solidFill>
-                <a:effectLst/>
-                <a:latin typeface="Arial" panose="020B0604020202020204" pitchFamily="34" charset="0"/>
-              </a:rPr>
-              <a:t>The sky color transitions smoothly using the sine function.</a:t>
-            </a:r>
-            <a:br>
-              <a:rPr kumimoji="0" lang="ar-SA" altLang="ar-SA" sz="1800" b="0" i="0" u="none" strike="noStrike" cap="none" normalizeH="0" baseline="0" dirty="0">
-                <a:ln>
-                  <a:noFill/>
-                </a:ln>
-                <a:solidFill>
-                  <a:schemeClr val="tx1"/>
-                </a:solidFill>
-                <a:effectLst/>
-                <a:latin typeface="Arial" panose="020B0604020202020204" pitchFamily="34" charset="0"/>
-              </a:rPr>
-            </a:br>
-            <a:r>
-              <a:rPr kumimoji="0" lang="ar-SA" altLang="ar-SA" sz="1800" b="0" i="0" u="none" strike="noStrike" cap="none" normalizeH="0" baseline="0" dirty="0">
-                <a:ln>
-                  <a:noFill/>
-                </a:ln>
-                <a:solidFill>
-                  <a:schemeClr val="tx1"/>
-                </a:solidFill>
-                <a:effectLst/>
-                <a:latin typeface="Arial" panose="020B0604020202020204" pitchFamily="34" charset="0"/>
-              </a:rPr>
-              <a:t>Object movement is applied using a uniform offset variable.</a:t>
-            </a:r>
           </a:p>
         </p:txBody>
       </p:sp>
     </p:spTree>
     <p:extLst>
       <p:ext uri="{BB962C8B-B14F-4D97-AF65-F5344CB8AC3E}">
-        <p14:creationId xmlns:p14="http://schemas.microsoft.com/office/powerpoint/2010/main" val="3870218743"/>
+        <p14:creationId xmlns:p14="http://schemas.microsoft.com/office/powerpoint/2010/main" val="2864826052"/>
       </p:ext>
     </p:extLst>
   </p:cSld>
@@ -7177,6 +7360,423 @@
 </file>
 
 <file path=ppt/slides/slide6.xml><?xml version="1.0" encoding="utf-8"?>
+<p:sld xmlns:a="http://schemas.openxmlformats.org/drawingml/2006/main" xmlns:r="http://schemas.openxmlformats.org/officeDocument/2006/relationships" xmlns:p="http://schemas.openxmlformats.org/presentationml/2006/main">
+  <p:cSld>
+    <p:spTree>
+      <p:nvGrpSpPr>
+        <p:cNvPr id="1" name=""/>
+        <p:cNvGrpSpPr/>
+        <p:nvPr/>
+      </p:nvGrpSpPr>
+      <p:grpSpPr>
+        <a:xfrm>
+          <a:off x="0" y="0"/>
+          <a:ext cx="0" cy="0"/>
+          <a:chOff x="0" y="0"/>
+          <a:chExt cx="0" cy="0"/>
+        </a:xfrm>
+      </p:grpSpPr>
+      <p:sp>
+        <p:nvSpPr>
+          <p:cNvPr id="5" name="Title 4">
+            <a:extLst>
+              <a:ext uri="{FF2B5EF4-FFF2-40B4-BE49-F238E27FC236}">
+                <a16:creationId xmlns:a16="http://schemas.microsoft.com/office/drawing/2014/main" id="{AA0ECF6E-A8A2-484C-A90A-E54D9A023237}"/>
+              </a:ext>
+            </a:extLst>
+          </p:cNvPr>
+          <p:cNvSpPr>
+            <a:spLocks noGrp="1"/>
+          </p:cNvSpPr>
+          <p:nvPr>
+            <p:ph type="title"/>
+          </p:nvPr>
+        </p:nvSpPr>
+        <p:spPr/>
+        <p:txBody>
+          <a:bodyPr>
+            <a:normAutofit/>
+          </a:bodyPr>
+          <a:lstStyle/>
+          <a:p>
+            <a:r>
+              <a:rPr lang="en-US" b="1" dirty="0"/>
+              <a:t>Environment Setup</a:t>
+            </a:r>
+            <a:endParaRPr lang="ar-SA" dirty="0"/>
+          </a:p>
+        </p:txBody>
+      </p:sp>
+      <p:sp>
+        <p:nvSpPr>
+          <p:cNvPr id="6" name="Content Placeholder 5">
+            <a:extLst>
+              <a:ext uri="{FF2B5EF4-FFF2-40B4-BE49-F238E27FC236}">
+                <a16:creationId xmlns:a16="http://schemas.microsoft.com/office/drawing/2014/main" id="{DB94CCAD-8331-4E4A-9E53-3741C45CDC25}"/>
+              </a:ext>
+            </a:extLst>
+          </p:cNvPr>
+          <p:cNvSpPr>
+            <a:spLocks noGrp="1"/>
+          </p:cNvSpPr>
+          <p:nvPr>
+            <p:ph idx="1"/>
+          </p:nvPr>
+        </p:nvSpPr>
+        <p:spPr/>
+        <p:txBody>
+          <a:bodyPr/>
+          <a:lstStyle/>
+          <a:p>
+            <a:pPr algn="l" rtl="0"/>
+            <a:endParaRPr lang="en-US" dirty="0"/>
+          </a:p>
+          <a:p>
+            <a:pPr algn="l" rtl="0">
+              <a:buFont typeface="Arial" panose="020B0604020202020204" pitchFamily="34" charset="0"/>
+              <a:buChar char="•"/>
+            </a:pPr>
+            <a:r>
+              <a:rPr lang="en-US" dirty="0"/>
+              <a:t>Initialized GLFW</a:t>
+            </a:r>
+          </a:p>
+          <a:p>
+            <a:pPr algn="l" rtl="0">
+              <a:buFont typeface="Arial" panose="020B0604020202020204" pitchFamily="34" charset="0"/>
+              <a:buChar char="•"/>
+            </a:pPr>
+            <a:r>
+              <a:rPr lang="en-US" dirty="0"/>
+              <a:t>Initialized GLEW</a:t>
+            </a:r>
+          </a:p>
+          <a:p>
+            <a:pPr algn="l" rtl="0">
+              <a:buFont typeface="Arial" panose="020B0604020202020204" pitchFamily="34" charset="0"/>
+              <a:buChar char="•"/>
+            </a:pPr>
+            <a:r>
+              <a:rPr lang="en-US" dirty="0"/>
+              <a:t>Created OpenGL 3.3 Core context</a:t>
+            </a:r>
+          </a:p>
+          <a:p>
+            <a:pPr algn="l" rtl="0">
+              <a:buFont typeface="Arial" panose="020B0604020202020204" pitchFamily="34" charset="0"/>
+              <a:buChar char="•"/>
+            </a:pPr>
+            <a:r>
+              <a:rPr lang="en-US" dirty="0"/>
+              <a:t>Configured viewport callback</a:t>
+            </a:r>
+          </a:p>
+          <a:p>
+            <a:pPr marL="0" indent="0" algn="l" rtl="0">
+              <a:buNone/>
+            </a:pPr>
+            <a:endParaRPr lang="en-US" dirty="0"/>
+          </a:p>
+          <a:p>
+            <a:pPr algn="l" rtl="0"/>
+            <a:endParaRPr lang="ar-SA" dirty="0"/>
+          </a:p>
+        </p:txBody>
+      </p:sp>
+    </p:spTree>
+    <p:extLst>
+      <p:ext uri="{BB962C8B-B14F-4D97-AF65-F5344CB8AC3E}">
+        <p14:creationId xmlns:p14="http://schemas.microsoft.com/office/powerpoint/2010/main" val="246637423"/>
+      </p:ext>
+    </p:extLst>
+  </p:cSld>
+  <p:clrMapOvr>
+    <a:masterClrMapping/>
+  </p:clrMapOvr>
+</p:sld>
+</file>
+
+<file path=ppt/slides/slide7.xml><?xml version="1.0" encoding="utf-8"?>
+<p:sld xmlns:a="http://schemas.openxmlformats.org/drawingml/2006/main" xmlns:r="http://schemas.openxmlformats.org/officeDocument/2006/relationships" xmlns:p="http://schemas.openxmlformats.org/presentationml/2006/main">
+  <p:cSld>
+    <p:spTree>
+      <p:nvGrpSpPr>
+        <p:cNvPr id="1" name=""/>
+        <p:cNvGrpSpPr/>
+        <p:nvPr/>
+      </p:nvGrpSpPr>
+      <p:grpSpPr>
+        <a:xfrm>
+          <a:off x="0" y="0"/>
+          <a:ext cx="0" cy="0"/>
+          <a:chOff x="0" y="0"/>
+          <a:chExt cx="0" cy="0"/>
+        </a:xfrm>
+      </p:grpSpPr>
+      <p:sp>
+        <p:nvSpPr>
+          <p:cNvPr id="2" name="Title 1">
+            <a:extLst>
+              <a:ext uri="{FF2B5EF4-FFF2-40B4-BE49-F238E27FC236}">
+                <a16:creationId xmlns:a16="http://schemas.microsoft.com/office/drawing/2014/main" id="{AB5A89E5-BE72-44CF-AECB-6BC6F769BA6A}"/>
+              </a:ext>
+            </a:extLst>
+          </p:cNvPr>
+          <p:cNvSpPr>
+            <a:spLocks noGrp="1"/>
+          </p:cNvSpPr>
+          <p:nvPr>
+            <p:ph type="title"/>
+          </p:nvPr>
+        </p:nvSpPr>
+        <p:spPr/>
+        <p:txBody>
+          <a:bodyPr/>
+          <a:lstStyle/>
+          <a:p>
+            <a:r>
+              <a:rPr lang="en-US" dirty="0"/>
+              <a:t>Shader Program Creation</a:t>
+            </a:r>
+            <a:endParaRPr lang="ar-SA" dirty="0"/>
+          </a:p>
+        </p:txBody>
+      </p:sp>
+      <p:sp>
+        <p:nvSpPr>
+          <p:cNvPr id="3" name="Content Placeholder 2">
+            <a:extLst>
+              <a:ext uri="{FF2B5EF4-FFF2-40B4-BE49-F238E27FC236}">
+                <a16:creationId xmlns:a16="http://schemas.microsoft.com/office/drawing/2014/main" id="{FCFB8E21-A94A-4007-86DD-D44009526B29}"/>
+              </a:ext>
+            </a:extLst>
+          </p:cNvPr>
+          <p:cNvSpPr>
+            <a:spLocks noGrp="1"/>
+          </p:cNvSpPr>
+          <p:nvPr>
+            <p:ph idx="1"/>
+          </p:nvPr>
+        </p:nvSpPr>
+        <p:spPr/>
+        <p:txBody>
+          <a:bodyPr/>
+          <a:lstStyle/>
+          <a:p>
+            <a:pPr algn="l" rtl="0"/>
+            <a:endParaRPr lang="en-US" dirty="0"/>
+          </a:p>
+          <a:p>
+            <a:pPr algn="l" rtl="0">
+              <a:buFont typeface="Arial" panose="020B0604020202020204" pitchFamily="34" charset="0"/>
+              <a:buChar char="•"/>
+            </a:pPr>
+            <a:r>
+              <a:rPr lang="en-US" dirty="0"/>
+              <a:t>Created Vertex Shader</a:t>
+            </a:r>
+          </a:p>
+          <a:p>
+            <a:pPr algn="l" rtl="0">
+              <a:buFont typeface="Arial" panose="020B0604020202020204" pitchFamily="34" charset="0"/>
+              <a:buChar char="•"/>
+            </a:pPr>
+            <a:r>
+              <a:rPr lang="en-US" dirty="0"/>
+              <a:t>Created Fragment Shader</a:t>
+            </a:r>
+          </a:p>
+          <a:p>
+            <a:pPr algn="l" rtl="0">
+              <a:buFont typeface="Arial" panose="020B0604020202020204" pitchFamily="34" charset="0"/>
+              <a:buChar char="•"/>
+            </a:pPr>
+            <a:r>
+              <a:rPr lang="en-US" dirty="0"/>
+              <a:t>Compiled and linked shader program</a:t>
+            </a:r>
+          </a:p>
+          <a:p>
+            <a:pPr algn="l" rtl="0">
+              <a:buFont typeface="Arial" panose="020B0604020202020204" pitchFamily="34" charset="0"/>
+              <a:buChar char="•"/>
+            </a:pPr>
+            <a:r>
+              <a:rPr lang="en-US" dirty="0"/>
+              <a:t>Checked for compilation errors</a:t>
+            </a:r>
+          </a:p>
+          <a:p>
+            <a:pPr algn="l" rtl="0"/>
+            <a:endParaRPr lang="ar-SA" dirty="0"/>
+          </a:p>
+        </p:txBody>
+      </p:sp>
+    </p:spTree>
+    <p:extLst>
+      <p:ext uri="{BB962C8B-B14F-4D97-AF65-F5344CB8AC3E}">
+        <p14:creationId xmlns:p14="http://schemas.microsoft.com/office/powerpoint/2010/main" val="4089627248"/>
+      </p:ext>
+    </p:extLst>
+  </p:cSld>
+  <p:clrMapOvr>
+    <a:masterClrMapping/>
+  </p:clrMapOvr>
+</p:sld>
+</file>
+
+<file path=ppt/slides/slide8.xml><?xml version="1.0" encoding="utf-8"?>
+<p:sld xmlns:a="http://schemas.openxmlformats.org/drawingml/2006/main" xmlns:r="http://schemas.openxmlformats.org/officeDocument/2006/relationships" xmlns:p="http://schemas.openxmlformats.org/presentationml/2006/main">
+  <p:cSld>
+    <p:spTree>
+      <p:nvGrpSpPr>
+        <p:cNvPr id="1" name=""/>
+        <p:cNvGrpSpPr/>
+        <p:nvPr/>
+      </p:nvGrpSpPr>
+      <p:grpSpPr>
+        <a:xfrm>
+          <a:off x="0" y="0"/>
+          <a:ext cx="0" cy="0"/>
+          <a:chOff x="0" y="0"/>
+          <a:chExt cx="0" cy="0"/>
+        </a:xfrm>
+      </p:grpSpPr>
+      <p:sp>
+        <p:nvSpPr>
+          <p:cNvPr id="2" name="Title 1">
+            <a:extLst>
+              <a:ext uri="{FF2B5EF4-FFF2-40B4-BE49-F238E27FC236}">
+                <a16:creationId xmlns:a16="http://schemas.microsoft.com/office/drawing/2014/main" id="{0E2EC819-A58B-434F-9A26-FFB5FEC3B486}"/>
+              </a:ext>
+            </a:extLst>
+          </p:cNvPr>
+          <p:cNvSpPr>
+            <a:spLocks noGrp="1"/>
+          </p:cNvSpPr>
+          <p:nvPr>
+            <p:ph type="title"/>
+          </p:nvPr>
+        </p:nvSpPr>
+        <p:spPr/>
+        <p:txBody>
+          <a:bodyPr/>
+          <a:lstStyle/>
+          <a:p>
+            <a:r>
+              <a:rPr lang="en-US" dirty="0"/>
+              <a:t>Creating Basic Shapes</a:t>
+            </a:r>
+            <a:endParaRPr lang="ar-SA" dirty="0"/>
+          </a:p>
+        </p:txBody>
+      </p:sp>
+      <p:sp>
+        <p:nvSpPr>
+          <p:cNvPr id="3" name="Content Placeholder 2">
+            <a:extLst>
+              <a:ext uri="{FF2B5EF4-FFF2-40B4-BE49-F238E27FC236}">
+                <a16:creationId xmlns:a16="http://schemas.microsoft.com/office/drawing/2014/main" id="{8DF04B8C-37FC-4B43-9AAE-95215AE0EF8D}"/>
+              </a:ext>
+            </a:extLst>
+          </p:cNvPr>
+          <p:cNvSpPr>
+            <a:spLocks noGrp="1"/>
+          </p:cNvSpPr>
+          <p:nvPr>
+            <p:ph idx="1"/>
+          </p:nvPr>
+        </p:nvSpPr>
+        <p:spPr/>
+        <p:txBody>
+          <a:bodyPr>
+            <a:normAutofit fontScale="92500" lnSpcReduction="10000"/>
+          </a:bodyPr>
+          <a:lstStyle/>
+          <a:p>
+            <a:pPr algn="l" rtl="0"/>
+            <a:endParaRPr lang="en-US" dirty="0"/>
+          </a:p>
+          <a:p>
+            <a:pPr algn="l" rtl="0">
+              <a:buFont typeface="Arial" panose="020B0604020202020204" pitchFamily="34" charset="0"/>
+              <a:buChar char="•"/>
+            </a:pPr>
+            <a:r>
+              <a:rPr lang="en-US" dirty="0"/>
+              <a:t>Sky (background rectangle)</a:t>
+            </a:r>
+          </a:p>
+          <a:p>
+            <a:pPr algn="l" rtl="0">
+              <a:buFont typeface="Arial" panose="020B0604020202020204" pitchFamily="34" charset="0"/>
+              <a:buChar char="•"/>
+            </a:pPr>
+            <a:r>
+              <a:rPr lang="en-US" dirty="0"/>
+              <a:t>Road</a:t>
+            </a:r>
+          </a:p>
+          <a:p>
+            <a:pPr algn="l" rtl="0">
+              <a:buFont typeface="Arial" panose="020B0604020202020204" pitchFamily="34" charset="0"/>
+              <a:buChar char="•"/>
+            </a:pPr>
+            <a:r>
+              <a:rPr lang="en-US" dirty="0"/>
+              <a:t>Car body</a:t>
+            </a:r>
+          </a:p>
+          <a:p>
+            <a:pPr algn="l" rtl="0">
+              <a:buFont typeface="Arial" panose="020B0604020202020204" pitchFamily="34" charset="0"/>
+              <a:buChar char="•"/>
+            </a:pPr>
+            <a:r>
+              <a:rPr lang="en-US" dirty="0"/>
+              <a:t>Window</a:t>
+            </a:r>
+          </a:p>
+          <a:p>
+            <a:pPr algn="l" rtl="0">
+              <a:buFont typeface="Arial" panose="020B0604020202020204" pitchFamily="34" charset="0"/>
+              <a:buChar char="•"/>
+            </a:pPr>
+            <a:r>
+              <a:rPr lang="en-US" dirty="0"/>
+              <a:t>Used VAO + VBO for each object</a:t>
+            </a:r>
+          </a:p>
+          <a:p>
+            <a:pPr algn="l" rtl="0">
+              <a:buFont typeface="Arial" panose="020B0604020202020204" pitchFamily="34" charset="0"/>
+              <a:buChar char="•"/>
+            </a:pPr>
+            <a:r>
+              <a:rPr lang="en-US" dirty="0"/>
+              <a:t>Assigned Z values for layering</a:t>
+            </a:r>
+          </a:p>
+          <a:p>
+            <a:pPr algn="l" rtl="0"/>
+            <a:endParaRPr lang="ar-SA" dirty="0"/>
+          </a:p>
+        </p:txBody>
+      </p:sp>
+    </p:spTree>
+    <p:extLst>
+      <p:ext uri="{BB962C8B-B14F-4D97-AF65-F5344CB8AC3E}">
+        <p14:creationId xmlns:p14="http://schemas.microsoft.com/office/powerpoint/2010/main" val="4143513367"/>
+      </p:ext>
+    </p:extLst>
+  </p:cSld>
+  <p:clrMapOvr>
+    <a:masterClrMapping/>
+  </p:clrMapOvr>
+</p:sld>
+</file>
+
+<file path=ppt/slides/slide9.xml><?xml version="1.0" encoding="utf-8"?>
 <p:sld xmlns:a="http://schemas.openxmlformats.org/drawingml/2006/main" xmlns:r="http://schemas.openxmlformats.org/officeDocument/2006/relationships" xmlns:p="http://schemas.openxmlformats.org/presentationml/2006/main">
   <p:cSld>
     <p:spTree>
